--- a/course_material/slides/026_refactor.pptx
+++ b/course_material/slides/026_refactor.pptx
@@ -8,16 +8,22 @@
     <p:sldId id="257" r:id="rId2"/>
     <p:sldId id="256" r:id="rId3"/>
     <p:sldId id="260" r:id="rId4"/>
-    <p:sldId id="258" r:id="rId5"/>
-    <p:sldId id="259" r:id="rId6"/>
-    <p:sldId id="261" r:id="rId7"/>
-    <p:sldId id="262" r:id="rId8"/>
-    <p:sldId id="268" r:id="rId9"/>
-    <p:sldId id="263" r:id="rId10"/>
-    <p:sldId id="267" r:id="rId11"/>
-    <p:sldId id="264" r:id="rId12"/>
-    <p:sldId id="265" r:id="rId13"/>
-    <p:sldId id="266" r:id="rId14"/>
+    <p:sldId id="259" r:id="rId5"/>
+    <p:sldId id="270" r:id="rId6"/>
+    <p:sldId id="258" r:id="rId7"/>
+    <p:sldId id="269" r:id="rId8"/>
+    <p:sldId id="271" r:id="rId9"/>
+    <p:sldId id="273" r:id="rId10"/>
+    <p:sldId id="272" r:id="rId11"/>
+    <p:sldId id="274" r:id="rId12"/>
+    <p:sldId id="275" r:id="rId13"/>
+    <p:sldId id="262" r:id="rId14"/>
+    <p:sldId id="268" r:id="rId15"/>
+    <p:sldId id="263" r:id="rId16"/>
+    <p:sldId id="267" r:id="rId17"/>
+    <p:sldId id="264" r:id="rId18"/>
+    <p:sldId id="265" r:id="rId19"/>
+    <p:sldId id="266" r:id="rId20"/>
   </p:sldIdLst>
   <p:sldSz cx="12192000" cy="6858000"/>
   <p:notesSz cx="6858000" cy="9144000"/>
@@ -3686,6 +3692,20 @@
               <a:t>It’s finally over!!!!!!!!!!!!</a:t>
             </a:r>
           </a:p>
+          <a:p>
+            <a:endParaRPr lang="en-US" dirty="0"/>
+          </a:p>
+          <a:p>
+            <a:r>
+              <a:rPr lang="en-US" dirty="0"/>
+              <a:t>Refactoring</a:t>
+            </a:r>
+            <a:r>
+              <a:rPr lang="en-US"/>
+              <a:t>, APIs, more GUIs. </a:t>
+            </a:r>
+            <a:endParaRPr lang="en-US" dirty="0"/>
+          </a:p>
         </p:txBody>
       </p:sp>
     </p:spTree>
@@ -3723,7 +3743,7 @@
           <p:cNvPr id="2" name="Title 1">
             <a:extLst>
               <a:ext uri="{FF2B5EF4-FFF2-40B4-BE49-F238E27FC236}">
-                <a16:creationId xmlns:a16="http://schemas.microsoft.com/office/drawing/2014/main" id="{4495BC68-09FB-33BB-7B8E-6E2974672C1C}"/>
+                <a16:creationId xmlns:a16="http://schemas.microsoft.com/office/drawing/2014/main" id="{7123609B-F9EA-29E7-D6EF-717D7EFE69E3}"/>
               </a:ext>
             </a:extLst>
           </p:cNvPr>
@@ -3741,7 +3761,7 @@
           <a:p>
             <a:r>
               <a:rPr lang="en-US" dirty="0"/>
-              <a:t>Application Programming Interface</a:t>
+              <a:t>Code block to Function</a:t>
             </a:r>
           </a:p>
         </p:txBody>
@@ -3751,7 +3771,7 @@
           <p:cNvPr id="3" name="Content Placeholder 2">
             <a:extLst>
               <a:ext uri="{FF2B5EF4-FFF2-40B4-BE49-F238E27FC236}">
-                <a16:creationId xmlns:a16="http://schemas.microsoft.com/office/drawing/2014/main" id="{6AA58032-A8AA-A238-5299-BD312EA9E90E}"/>
+                <a16:creationId xmlns:a16="http://schemas.microsoft.com/office/drawing/2014/main" id="{FA5618B2-7CD0-CF98-0BB5-8272ED95469E}"/>
               </a:ext>
             </a:extLst>
           </p:cNvPr>
@@ -3762,73 +3782,64 @@
             <p:ph idx="1"/>
           </p:nvPr>
         </p:nvSpPr>
-        <p:spPr>
+        <p:spPr/>
+        <p:txBody>
+          <a:bodyPr/>
+          <a:lstStyle/>
+          <a:p>
+            <a:endParaRPr lang="en-US"/>
+          </a:p>
+        </p:txBody>
+      </p:sp>
+      <p:pic>
+        <p:nvPicPr>
+          <p:cNvPr id="4098" name="Picture 2" descr="Auto-Refactoring of Python Code in PyCharm | by KonfHub | Medium">
+            <a:extLst>
+              <a:ext uri="{FF2B5EF4-FFF2-40B4-BE49-F238E27FC236}">
+                <a16:creationId xmlns:a16="http://schemas.microsoft.com/office/drawing/2014/main" id="{34A7556C-DC6E-8C6C-0BAA-B8F0CCC8FF6D}"/>
+              </a:ext>
+            </a:extLst>
+          </p:cNvPr>
+          <p:cNvPicPr>
+            <a:picLocks noChangeAspect="1" noChangeArrowheads="1"/>
+          </p:cNvPicPr>
+          <p:nvPr/>
+        </p:nvPicPr>
+        <p:blipFill rotWithShape="1">
+          <a:blip r:embed="rId2">
+            <a:extLst>
+              <a:ext uri="{28A0092B-C50C-407E-A947-70E740481C1C}">
+                <a14:useLocalDpi xmlns:a14="http://schemas.microsoft.com/office/drawing/2010/main" val="0"/>
+              </a:ext>
+            </a:extLst>
+          </a:blip>
+          <a:srcRect b="19083"/>
+          <a:stretch/>
+        </p:blipFill>
+        <p:spPr bwMode="auto">
           <a:xfrm>
-            <a:off x="1451579" y="1853754"/>
-            <a:ext cx="9603275" cy="4199728"/>
+            <a:off x="0" y="2088535"/>
+            <a:ext cx="12192000" cy="4312265"/>
           </a:xfrm>
+          <a:prstGeom prst="rect">
+            <a:avLst/>
+          </a:prstGeom>
+          <a:noFill/>
+          <a:extLst>
+            <a:ext uri="{909E8E84-426E-40DD-AFC4-6F175D3DCCD1}">
+              <a14:hiddenFill xmlns:a14="http://schemas.microsoft.com/office/drawing/2010/main">
+                <a:solidFill>
+                  <a:srgbClr val="FFFFFF"/>
+                </a:solidFill>
+              </a14:hiddenFill>
+            </a:ext>
+          </a:extLst>
         </p:spPr>
-        <p:txBody>
-          <a:bodyPr/>
-          <a:lstStyle/>
-          <a:p>
-            <a:r>
-              <a:rPr lang="en-US" dirty="0"/>
-              <a:t>An API is a published standard of how to interact with a system. </a:t>
-            </a:r>
-          </a:p>
-          <a:p>
-            <a:r>
-              <a:rPr lang="en-US" dirty="0"/>
-              <a:t>Most objects, functions, and programs have the exact same concept:</a:t>
-            </a:r>
-          </a:p>
-          <a:p>
-            <a:pPr lvl="1"/>
-            <a:r>
-              <a:rPr lang="en-US" dirty="0"/>
-              <a:t>There is a specific set of things that this object does. </a:t>
-            </a:r>
-          </a:p>
-          <a:p>
-            <a:pPr lvl="1"/>
-            <a:r>
-              <a:rPr lang="en-US" dirty="0"/>
-              <a:t>There is a specific set of ways to interact with it. </a:t>
-            </a:r>
-          </a:p>
-          <a:p>
-            <a:r>
-              <a:rPr lang="en-US" dirty="0"/>
-              <a:t>When we use a published library we are complying with their API. </a:t>
-            </a:r>
-          </a:p>
-          <a:p>
-            <a:pPr lvl="1"/>
-            <a:r>
-              <a:rPr lang="en-US" dirty="0"/>
-              <a:t>The documentation tells us exactly what classes and methods we can call and what they do. </a:t>
-            </a:r>
-          </a:p>
-          <a:p>
-            <a:r>
-              <a:rPr lang="en-US" dirty="0"/>
-              <a:t>Connecting to some other real program (a web server, some vendor application, our Moodle site, a data warehouse) is the same:</a:t>
-            </a:r>
-          </a:p>
-          <a:p>
-            <a:pPr lvl="1"/>
-            <a:r>
-              <a:rPr lang="en-US" dirty="0"/>
-              <a:t>There is some API that tells us how to create a connection, send commands, and interpret responses. </a:t>
-            </a:r>
-          </a:p>
-        </p:txBody>
-      </p:sp>
+      </p:pic>
     </p:spTree>
     <p:extLst>
       <p:ext uri="{BB962C8B-B14F-4D97-AF65-F5344CB8AC3E}">
-        <p14:creationId xmlns:p14="http://schemas.microsoft.com/office/powerpoint/2010/main" val="3973169635"/>
+        <p14:creationId xmlns:p14="http://schemas.microsoft.com/office/powerpoint/2010/main" val="4059996170"/>
       </p:ext>
     </p:extLst>
   </p:cSld>
@@ -3860,6 +3871,821 @@
           <p:cNvPr id="2" name="Title 1">
             <a:extLst>
               <a:ext uri="{FF2B5EF4-FFF2-40B4-BE49-F238E27FC236}">
+                <a16:creationId xmlns:a16="http://schemas.microsoft.com/office/drawing/2014/main" id="{80B4E5BD-2867-1155-99B4-C811424BB991}"/>
+              </a:ext>
+            </a:extLst>
+          </p:cNvPr>
+          <p:cNvSpPr>
+            <a:spLocks noGrp="1"/>
+          </p:cNvSpPr>
+          <p:nvPr>
+            <p:ph type="title"/>
+          </p:nvPr>
+        </p:nvSpPr>
+        <p:spPr/>
+        <p:txBody>
+          <a:bodyPr/>
+          <a:lstStyle/>
+          <a:p>
+            <a:r>
+              <a:rPr lang="en-US" dirty="0"/>
+              <a:t>Adding Constants</a:t>
+            </a:r>
+          </a:p>
+        </p:txBody>
+      </p:sp>
+      <p:sp>
+        <p:nvSpPr>
+          <p:cNvPr id="3" name="Content Placeholder 2">
+            <a:extLst>
+              <a:ext uri="{FF2B5EF4-FFF2-40B4-BE49-F238E27FC236}">
+                <a16:creationId xmlns:a16="http://schemas.microsoft.com/office/drawing/2014/main" id="{15901763-3529-A958-DCB5-8385283D87F1}"/>
+              </a:ext>
+            </a:extLst>
+          </p:cNvPr>
+          <p:cNvSpPr>
+            <a:spLocks noGrp="1"/>
+          </p:cNvSpPr>
+          <p:nvPr>
+            <p:ph idx="1"/>
+          </p:nvPr>
+        </p:nvSpPr>
+        <p:spPr/>
+        <p:txBody>
+          <a:bodyPr/>
+          <a:lstStyle/>
+          <a:p>
+            <a:endParaRPr lang="en-US"/>
+          </a:p>
+        </p:txBody>
+      </p:sp>
+      <p:pic>
+        <p:nvPicPr>
+          <p:cNvPr id="6146" name="Picture 2">
+            <a:extLst>
+              <a:ext uri="{FF2B5EF4-FFF2-40B4-BE49-F238E27FC236}">
+                <a16:creationId xmlns:a16="http://schemas.microsoft.com/office/drawing/2014/main" id="{944A7DCB-E1BE-545A-43D0-BA67CC43D957}"/>
+              </a:ext>
+            </a:extLst>
+          </p:cNvPr>
+          <p:cNvPicPr>
+            <a:picLocks noChangeAspect="1" noChangeArrowheads="1"/>
+          </p:cNvPicPr>
+          <p:nvPr/>
+        </p:nvPicPr>
+        <p:blipFill rotWithShape="1">
+          <a:blip r:embed="rId2">
+            <a:extLst>
+              <a:ext uri="{28A0092B-C50C-407E-A947-70E740481C1C}">
+                <a14:useLocalDpi xmlns:a14="http://schemas.microsoft.com/office/drawing/2010/main" val="0"/>
+              </a:ext>
+            </a:extLst>
+          </a:blip>
+          <a:srcRect b="13626"/>
+          <a:stretch/>
+        </p:blipFill>
+        <p:spPr bwMode="auto">
+          <a:xfrm>
+            <a:off x="1651000" y="2196711"/>
+            <a:ext cx="8890000" cy="3740597"/>
+          </a:xfrm>
+          <a:prstGeom prst="rect">
+            <a:avLst/>
+          </a:prstGeom>
+          <a:noFill/>
+          <a:extLst>
+            <a:ext uri="{909E8E84-426E-40DD-AFC4-6F175D3DCCD1}">
+              <a14:hiddenFill xmlns:a14="http://schemas.microsoft.com/office/drawing/2010/main">
+                <a:solidFill>
+                  <a:srgbClr val="FFFFFF"/>
+                </a:solidFill>
+              </a14:hiddenFill>
+            </a:ext>
+          </a:extLst>
+        </p:spPr>
+      </p:pic>
+    </p:spTree>
+    <p:extLst>
+      <p:ext uri="{BB962C8B-B14F-4D97-AF65-F5344CB8AC3E}">
+        <p14:creationId xmlns:p14="http://schemas.microsoft.com/office/powerpoint/2010/main" val="2539941107"/>
+      </p:ext>
+    </p:extLst>
+  </p:cSld>
+  <p:clrMapOvr>
+    <a:masterClrMapping/>
+  </p:clrMapOvr>
+</p:sld>
+</file>
+
+<file path=ppt/slides/slide12.xml><?xml version="1.0" encoding="utf-8"?>
+<p:sld xmlns:a="http://schemas.openxmlformats.org/drawingml/2006/main" xmlns:r="http://schemas.openxmlformats.org/officeDocument/2006/relationships" xmlns:p="http://schemas.openxmlformats.org/presentationml/2006/main">
+  <p:cSld>
+    <p:spTree>
+      <p:nvGrpSpPr>
+        <p:cNvPr id="1" name=""/>
+        <p:cNvGrpSpPr/>
+        <p:nvPr/>
+      </p:nvGrpSpPr>
+      <p:grpSpPr>
+        <a:xfrm>
+          <a:off x="0" y="0"/>
+          <a:ext cx="0" cy="0"/>
+          <a:chOff x="0" y="0"/>
+          <a:chExt cx="0" cy="0"/>
+        </a:xfrm>
+      </p:grpSpPr>
+      <p:sp>
+        <p:nvSpPr>
+          <p:cNvPr id="2" name="Title 1">
+            <a:extLst>
+              <a:ext uri="{FF2B5EF4-FFF2-40B4-BE49-F238E27FC236}">
+                <a16:creationId xmlns:a16="http://schemas.microsoft.com/office/drawing/2014/main" id="{311879A0-5993-7282-ED12-E17F37D0E3F9}"/>
+              </a:ext>
+            </a:extLst>
+          </p:cNvPr>
+          <p:cNvSpPr>
+            <a:spLocks noGrp="1"/>
+          </p:cNvSpPr>
+          <p:nvPr>
+            <p:ph type="title"/>
+          </p:nvPr>
+        </p:nvSpPr>
+        <p:spPr/>
+        <p:txBody>
+          <a:bodyPr/>
+          <a:lstStyle/>
+          <a:p>
+            <a:r>
+              <a:rPr lang="en-US" dirty="0"/>
+              <a:t>Parameterization</a:t>
+            </a:r>
+          </a:p>
+        </p:txBody>
+      </p:sp>
+      <p:sp>
+        <p:nvSpPr>
+          <p:cNvPr id="3" name="Content Placeholder 2">
+            <a:extLst>
+              <a:ext uri="{FF2B5EF4-FFF2-40B4-BE49-F238E27FC236}">
+                <a16:creationId xmlns:a16="http://schemas.microsoft.com/office/drawing/2014/main" id="{FAB29A61-D25D-BB4A-9FC2-5197CA9C14AF}"/>
+              </a:ext>
+            </a:extLst>
+          </p:cNvPr>
+          <p:cNvSpPr>
+            <a:spLocks noGrp="1"/>
+          </p:cNvSpPr>
+          <p:nvPr>
+            <p:ph idx="1"/>
+          </p:nvPr>
+        </p:nvSpPr>
+        <p:spPr/>
+        <p:txBody>
+          <a:bodyPr/>
+          <a:lstStyle/>
+          <a:p>
+            <a:endParaRPr lang="en-US"/>
+          </a:p>
+        </p:txBody>
+      </p:sp>
+      <p:pic>
+        <p:nvPicPr>
+          <p:cNvPr id="7170" name="Picture 2">
+            <a:extLst>
+              <a:ext uri="{FF2B5EF4-FFF2-40B4-BE49-F238E27FC236}">
+                <a16:creationId xmlns:a16="http://schemas.microsoft.com/office/drawing/2014/main" id="{50D31CFE-697F-BFDF-8E05-60A946D61D68}"/>
+              </a:ext>
+            </a:extLst>
+          </p:cNvPr>
+          <p:cNvPicPr>
+            <a:picLocks noChangeAspect="1" noChangeArrowheads="1"/>
+          </p:cNvPicPr>
+          <p:nvPr/>
+        </p:nvPicPr>
+        <p:blipFill rotWithShape="1">
+          <a:blip r:embed="rId2">
+            <a:extLst>
+              <a:ext uri="{28A0092B-C50C-407E-A947-70E740481C1C}">
+                <a14:useLocalDpi xmlns:a14="http://schemas.microsoft.com/office/drawing/2010/main" val="0"/>
+              </a:ext>
+            </a:extLst>
+          </a:blip>
+          <a:srcRect b="10856"/>
+          <a:stretch/>
+        </p:blipFill>
+        <p:spPr bwMode="auto">
+          <a:xfrm>
+            <a:off x="1651000" y="1853754"/>
+            <a:ext cx="8890000" cy="4834164"/>
+          </a:xfrm>
+          <a:prstGeom prst="rect">
+            <a:avLst/>
+          </a:prstGeom>
+          <a:noFill/>
+          <a:extLst>
+            <a:ext uri="{909E8E84-426E-40DD-AFC4-6F175D3DCCD1}">
+              <a14:hiddenFill xmlns:a14="http://schemas.microsoft.com/office/drawing/2010/main">
+                <a:solidFill>
+                  <a:srgbClr val="FFFFFF"/>
+                </a:solidFill>
+              </a14:hiddenFill>
+            </a:ext>
+          </a:extLst>
+        </p:spPr>
+      </p:pic>
+    </p:spTree>
+    <p:extLst>
+      <p:ext uri="{BB962C8B-B14F-4D97-AF65-F5344CB8AC3E}">
+        <p14:creationId xmlns:p14="http://schemas.microsoft.com/office/powerpoint/2010/main" val="3154258567"/>
+      </p:ext>
+    </p:extLst>
+  </p:cSld>
+  <p:clrMapOvr>
+    <a:masterClrMapping/>
+  </p:clrMapOvr>
+</p:sld>
+</file>
+
+<file path=ppt/slides/slide13.xml><?xml version="1.0" encoding="utf-8"?>
+<p:sld xmlns:a="http://schemas.openxmlformats.org/drawingml/2006/main" xmlns:r="http://schemas.openxmlformats.org/officeDocument/2006/relationships" xmlns:p="http://schemas.openxmlformats.org/presentationml/2006/main">
+  <p:cSld>
+    <p:spTree>
+      <p:nvGrpSpPr>
+        <p:cNvPr id="1" name=""/>
+        <p:cNvGrpSpPr/>
+        <p:nvPr/>
+      </p:nvGrpSpPr>
+      <p:grpSpPr>
+        <a:xfrm>
+          <a:off x="0" y="0"/>
+          <a:ext cx="0" cy="0"/>
+          <a:chOff x="0" y="0"/>
+          <a:chExt cx="0" cy="0"/>
+        </a:xfrm>
+      </p:grpSpPr>
+      <p:sp>
+        <p:nvSpPr>
+          <p:cNvPr id="2" name="Title 1">
+            <a:extLst>
+              <a:ext uri="{FF2B5EF4-FFF2-40B4-BE49-F238E27FC236}">
+                <a16:creationId xmlns:a16="http://schemas.microsoft.com/office/drawing/2014/main" id="{F6248102-1968-5CBD-FCC6-6BDA4DD67919}"/>
+              </a:ext>
+            </a:extLst>
+          </p:cNvPr>
+          <p:cNvSpPr>
+            <a:spLocks noGrp="1"/>
+          </p:cNvSpPr>
+          <p:nvPr>
+            <p:ph type="title"/>
+          </p:nvPr>
+        </p:nvSpPr>
+        <p:spPr/>
+        <p:txBody>
+          <a:bodyPr/>
+          <a:lstStyle/>
+          <a:p>
+            <a:r>
+              <a:rPr lang="en-US" dirty="0"/>
+              <a:t>Automated Refactoring</a:t>
+            </a:r>
+          </a:p>
+        </p:txBody>
+      </p:sp>
+      <p:sp>
+        <p:nvSpPr>
+          <p:cNvPr id="3" name="Content Placeholder 2">
+            <a:extLst>
+              <a:ext uri="{FF2B5EF4-FFF2-40B4-BE49-F238E27FC236}">
+                <a16:creationId xmlns:a16="http://schemas.microsoft.com/office/drawing/2014/main" id="{B79CDF28-2A66-1F26-2012-80FD33C6432A}"/>
+              </a:ext>
+            </a:extLst>
+          </p:cNvPr>
+          <p:cNvSpPr>
+            <a:spLocks noGrp="1"/>
+          </p:cNvSpPr>
+          <p:nvPr>
+            <p:ph idx="1"/>
+          </p:nvPr>
+        </p:nvSpPr>
+        <p:spPr>
+          <a:xfrm>
+            <a:off x="1451579" y="2015732"/>
+            <a:ext cx="9603275" cy="4037749"/>
+          </a:xfrm>
+        </p:spPr>
+        <p:txBody>
+          <a:bodyPr/>
+          <a:lstStyle/>
+          <a:p>
+            <a:r>
+              <a:rPr lang="en-US" dirty="0"/>
+              <a:t>This isn’t something that we’ll delve deeply into, but many tools exist. </a:t>
+            </a:r>
+          </a:p>
+          <a:p>
+            <a:pPr lvl="1"/>
+            <a:r>
+              <a:rPr lang="en-US" dirty="0"/>
+              <a:t>Extract parts of code that can be made into a function. </a:t>
+            </a:r>
+          </a:p>
+          <a:p>
+            <a:r>
+              <a:rPr lang="en-US" dirty="0"/>
+              <a:t>Many IDEs have assorted built-in tools to refactor. </a:t>
+            </a:r>
+          </a:p>
+          <a:p>
+            <a:pPr lvl="1"/>
+            <a:r>
+              <a:rPr lang="en-US" dirty="0"/>
+              <a:t>VS Code can extract methods and variables or rename things in bulk</a:t>
+            </a:r>
+          </a:p>
+          <a:p>
+            <a:pPr lvl="1"/>
+            <a:r>
+              <a:rPr lang="en-US" dirty="0"/>
+              <a:t>Other plugins can provide more functionality. </a:t>
+            </a:r>
+          </a:p>
+          <a:p>
+            <a:r>
+              <a:rPr lang="en-US" dirty="0"/>
+              <a:t>I randomly saw a link to a VS Code plugin from MS that looks useful, Gather:</a:t>
+            </a:r>
+          </a:p>
+          <a:p>
+            <a:pPr lvl="1"/>
+            <a:r>
+              <a:rPr lang="en-US" dirty="0"/>
+              <a:t>“Gather analyzes notebooks and helps users extract only the relevant code segments needed to re-create a particular cell output. ”</a:t>
+            </a:r>
+          </a:p>
+          <a:p>
+            <a:pPr lvl="1"/>
+            <a:r>
+              <a:rPr lang="en-US" dirty="0"/>
+              <a:t>I just saw this a couple of days ago, I haven’t used it much, it is simple. </a:t>
+            </a:r>
+          </a:p>
+        </p:txBody>
+      </p:sp>
+    </p:spTree>
+    <p:extLst>
+      <p:ext uri="{BB962C8B-B14F-4D97-AF65-F5344CB8AC3E}">
+        <p14:creationId xmlns:p14="http://schemas.microsoft.com/office/powerpoint/2010/main" val="3342147953"/>
+      </p:ext>
+    </p:extLst>
+  </p:cSld>
+  <p:clrMapOvr>
+    <a:masterClrMapping/>
+  </p:clrMapOvr>
+</p:sld>
+</file>
+
+<file path=ppt/slides/slide14.xml><?xml version="1.0" encoding="utf-8"?>
+<p:sld xmlns:a="http://schemas.openxmlformats.org/drawingml/2006/main" xmlns:r="http://schemas.openxmlformats.org/officeDocument/2006/relationships" xmlns:p="http://schemas.openxmlformats.org/presentationml/2006/main">
+  <p:cSld>
+    <p:spTree>
+      <p:nvGrpSpPr>
+        <p:cNvPr id="1" name=""/>
+        <p:cNvGrpSpPr/>
+        <p:nvPr/>
+      </p:nvGrpSpPr>
+      <p:grpSpPr>
+        <a:xfrm>
+          <a:off x="0" y="0"/>
+          <a:ext cx="0" cy="0"/>
+          <a:chOff x="0" y="0"/>
+          <a:chExt cx="0" cy="0"/>
+        </a:xfrm>
+      </p:grpSpPr>
+      <p:sp>
+        <p:nvSpPr>
+          <p:cNvPr id="2" name="Title 1">
+            <a:extLst>
+              <a:ext uri="{FF2B5EF4-FFF2-40B4-BE49-F238E27FC236}">
+                <a16:creationId xmlns:a16="http://schemas.microsoft.com/office/drawing/2014/main" id="{04861895-A463-7733-7EF1-BCA847E4A894}"/>
+              </a:ext>
+            </a:extLst>
+          </p:cNvPr>
+          <p:cNvSpPr>
+            <a:spLocks noGrp="1"/>
+          </p:cNvSpPr>
+          <p:nvPr>
+            <p:ph type="title"/>
+          </p:nvPr>
+        </p:nvSpPr>
+        <p:spPr/>
+        <p:txBody>
+          <a:bodyPr/>
+          <a:lstStyle/>
+          <a:p>
+            <a:r>
+              <a:rPr lang="en-US" dirty="0"/>
+              <a:t>Game Changes</a:t>
+            </a:r>
+          </a:p>
+        </p:txBody>
+      </p:sp>
+      <p:sp>
+        <p:nvSpPr>
+          <p:cNvPr id="3" name="Content Placeholder 2">
+            <a:extLst>
+              <a:ext uri="{FF2B5EF4-FFF2-40B4-BE49-F238E27FC236}">
+                <a16:creationId xmlns:a16="http://schemas.microsoft.com/office/drawing/2014/main" id="{4515BE7B-B999-4F59-D504-162FFD52E4D4}"/>
+              </a:ext>
+            </a:extLst>
+          </p:cNvPr>
+          <p:cNvSpPr>
+            <a:spLocks noGrp="1"/>
+          </p:cNvSpPr>
+          <p:nvPr>
+            <p:ph idx="1"/>
+          </p:nvPr>
+        </p:nvSpPr>
+        <p:spPr>
+          <a:xfrm>
+            <a:off x="1451579" y="1853754"/>
+            <a:ext cx="9603275" cy="4199727"/>
+          </a:xfrm>
+        </p:spPr>
+        <p:txBody>
+          <a:bodyPr/>
+          <a:lstStyle/>
+          <a:p>
+            <a:r>
+              <a:rPr lang="en-US" dirty="0"/>
+              <a:t>During the refactoring process we’ll make a change to help work with the GUI. </a:t>
+            </a:r>
+          </a:p>
+          <a:p>
+            <a:pPr lvl="1"/>
+            <a:r>
+              <a:rPr lang="en-US" dirty="0"/>
+              <a:t>Make all inputs/outputs go through the game object. </a:t>
+            </a:r>
+          </a:p>
+          <a:p>
+            <a:pPr lvl="1"/>
+            <a:r>
+              <a:rPr lang="en-US" dirty="0"/>
+              <a:t>GUI buttons will trigger a method call to the game object, which will then do everything internally. </a:t>
+            </a:r>
+          </a:p>
+          <a:p>
+            <a:pPr lvl="1"/>
+            <a:r>
+              <a:rPr lang="en-US" dirty="0"/>
+              <a:t>All usage of the other objects, such as the hands of cards and the bank balances, will need to go through a request to the game object. </a:t>
+            </a:r>
+          </a:p>
+          <a:p>
+            <a:r>
+              <a:rPr lang="en-US" dirty="0"/>
+              <a:t>We are making things more abstract and “user oriented” with these changes. </a:t>
+            </a:r>
+          </a:p>
+          <a:p>
+            <a:pPr lvl="1"/>
+            <a:r>
+              <a:rPr lang="en-US" dirty="0"/>
+              <a:t>The GUI interface doesn’t need to worry about internals, only about “user side” actions. </a:t>
+            </a:r>
+          </a:p>
+          <a:p>
+            <a:pPr lvl="1"/>
+            <a:r>
+              <a:rPr lang="en-US" dirty="0"/>
+              <a:t>Using the game logic will now be more detached from the details. </a:t>
+            </a:r>
+          </a:p>
+          <a:p>
+            <a:r>
+              <a:rPr lang="en-US" dirty="0"/>
+              <a:t>I’ll organize some GUI code, extract some methods, add constants, and move things. </a:t>
+            </a:r>
+          </a:p>
+        </p:txBody>
+      </p:sp>
+    </p:spTree>
+    <p:extLst>
+      <p:ext uri="{BB962C8B-B14F-4D97-AF65-F5344CB8AC3E}">
+        <p14:creationId xmlns:p14="http://schemas.microsoft.com/office/powerpoint/2010/main" val="1183358038"/>
+      </p:ext>
+    </p:extLst>
+  </p:cSld>
+  <p:clrMapOvr>
+    <a:masterClrMapping/>
+  </p:clrMapOvr>
+</p:sld>
+</file>
+
+<file path=ppt/slides/slide15.xml><?xml version="1.0" encoding="utf-8"?>
+<p:sld xmlns:a="http://schemas.openxmlformats.org/drawingml/2006/main" xmlns:r="http://schemas.openxmlformats.org/officeDocument/2006/relationships" xmlns:p="http://schemas.openxmlformats.org/presentationml/2006/main">
+  <p:cSld>
+    <p:spTree>
+      <p:nvGrpSpPr>
+        <p:cNvPr id="1" name=""/>
+        <p:cNvGrpSpPr/>
+        <p:nvPr/>
+      </p:nvGrpSpPr>
+      <p:grpSpPr>
+        <a:xfrm>
+          <a:off x="0" y="0"/>
+          <a:ext cx="0" cy="0"/>
+          <a:chOff x="0" y="0"/>
+          <a:chExt cx="0" cy="0"/>
+        </a:xfrm>
+      </p:grpSpPr>
+      <p:sp>
+        <p:nvSpPr>
+          <p:cNvPr id="2" name="Title 1">
+            <a:extLst>
+              <a:ext uri="{FF2B5EF4-FFF2-40B4-BE49-F238E27FC236}">
+                <a16:creationId xmlns:a16="http://schemas.microsoft.com/office/drawing/2014/main" id="{52367B84-6F4E-BDD1-D39F-19D54F77E832}"/>
+              </a:ext>
+            </a:extLst>
+          </p:cNvPr>
+          <p:cNvSpPr>
+            <a:spLocks noGrp="1"/>
+          </p:cNvSpPr>
+          <p:nvPr>
+            <p:ph type="title"/>
+          </p:nvPr>
+        </p:nvSpPr>
+        <p:spPr/>
+        <p:txBody>
+          <a:bodyPr/>
+          <a:lstStyle/>
+          <a:p>
+            <a:r>
+              <a:rPr lang="en-US" dirty="0"/>
+              <a:t>Interface Creation</a:t>
+            </a:r>
+          </a:p>
+        </p:txBody>
+      </p:sp>
+      <p:sp>
+        <p:nvSpPr>
+          <p:cNvPr id="3" name="Content Placeholder 2">
+            <a:extLst>
+              <a:ext uri="{FF2B5EF4-FFF2-40B4-BE49-F238E27FC236}">
+                <a16:creationId xmlns:a16="http://schemas.microsoft.com/office/drawing/2014/main" id="{74099298-395F-5C9D-E0E1-6265C673E513}"/>
+              </a:ext>
+            </a:extLst>
+          </p:cNvPr>
+          <p:cNvSpPr>
+            <a:spLocks noGrp="1"/>
+          </p:cNvSpPr>
+          <p:nvPr>
+            <p:ph idx="1"/>
+          </p:nvPr>
+        </p:nvSpPr>
+        <p:spPr>
+          <a:xfrm>
+            <a:off x="1451579" y="2015732"/>
+            <a:ext cx="9603275" cy="3916717"/>
+          </a:xfrm>
+        </p:spPr>
+        <p:txBody>
+          <a:bodyPr/>
+          <a:lstStyle/>
+          <a:p>
+            <a:r>
+              <a:rPr lang="en-US" dirty="0"/>
+              <a:t>While refactoring we can also think of constructing an interface for our game. </a:t>
+            </a:r>
+          </a:p>
+          <a:p>
+            <a:pPr lvl="1"/>
+            <a:r>
+              <a:rPr lang="en-US" dirty="0"/>
+              <a:t>Our GUI based notebook is the “controller” of the game. </a:t>
+            </a:r>
+          </a:p>
+          <a:p>
+            <a:pPr lvl="1"/>
+            <a:r>
+              <a:rPr lang="en-US" dirty="0"/>
+              <a:t>The code in the .</a:t>
+            </a:r>
+            <a:r>
+              <a:rPr lang="en-US" dirty="0" err="1"/>
+              <a:t>py</a:t>
+            </a:r>
+            <a:r>
+              <a:rPr lang="en-US" dirty="0"/>
+              <a:t> is the logic of the game. </a:t>
+            </a:r>
+          </a:p>
+          <a:p>
+            <a:pPr lvl="1"/>
+            <a:r>
+              <a:rPr lang="en-US" dirty="0"/>
+              <a:t>We could swap out the controller, as long as it sends the same commands. </a:t>
+            </a:r>
+          </a:p>
+          <a:p>
+            <a:r>
+              <a:rPr lang="en-US" dirty="0"/>
+              <a:t>Everything (well designed) works like this:</a:t>
+            </a:r>
+          </a:p>
+          <a:p>
+            <a:pPr lvl="1"/>
+            <a:r>
+              <a:rPr lang="en-US" dirty="0"/>
+              <a:t>The interface presents options for what we can do, how to do it, and what to expect. </a:t>
+            </a:r>
+          </a:p>
+          <a:p>
+            <a:pPr lvl="1"/>
+            <a:r>
+              <a:rPr lang="en-US" dirty="0"/>
+              <a:t>The details of how any of that happens is irrelevant. </a:t>
+            </a:r>
+          </a:p>
+          <a:p>
+            <a:r>
+              <a:rPr lang="en-US" dirty="0"/>
+              <a:t>To use something, we only need to care about the interface with it. </a:t>
+            </a:r>
+          </a:p>
+        </p:txBody>
+      </p:sp>
+    </p:spTree>
+    <p:extLst>
+      <p:ext uri="{BB962C8B-B14F-4D97-AF65-F5344CB8AC3E}">
+        <p14:creationId xmlns:p14="http://schemas.microsoft.com/office/powerpoint/2010/main" val="1684377220"/>
+      </p:ext>
+    </p:extLst>
+  </p:cSld>
+  <p:clrMapOvr>
+    <a:masterClrMapping/>
+  </p:clrMapOvr>
+</p:sld>
+</file>
+
+<file path=ppt/slides/slide16.xml><?xml version="1.0" encoding="utf-8"?>
+<p:sld xmlns:a="http://schemas.openxmlformats.org/drawingml/2006/main" xmlns:r="http://schemas.openxmlformats.org/officeDocument/2006/relationships" xmlns:p="http://schemas.openxmlformats.org/presentationml/2006/main">
+  <p:cSld>
+    <p:spTree>
+      <p:nvGrpSpPr>
+        <p:cNvPr id="1" name=""/>
+        <p:cNvGrpSpPr/>
+        <p:nvPr/>
+      </p:nvGrpSpPr>
+      <p:grpSpPr>
+        <a:xfrm>
+          <a:off x="0" y="0"/>
+          <a:ext cx="0" cy="0"/>
+          <a:chOff x="0" y="0"/>
+          <a:chExt cx="0" cy="0"/>
+        </a:xfrm>
+      </p:grpSpPr>
+      <p:sp>
+        <p:nvSpPr>
+          <p:cNvPr id="2" name="Title 1">
+            <a:extLst>
+              <a:ext uri="{FF2B5EF4-FFF2-40B4-BE49-F238E27FC236}">
+                <a16:creationId xmlns:a16="http://schemas.microsoft.com/office/drawing/2014/main" id="{4495BC68-09FB-33BB-7B8E-6E2974672C1C}"/>
+              </a:ext>
+            </a:extLst>
+          </p:cNvPr>
+          <p:cNvSpPr>
+            <a:spLocks noGrp="1"/>
+          </p:cNvSpPr>
+          <p:nvPr>
+            <p:ph type="title"/>
+          </p:nvPr>
+        </p:nvSpPr>
+        <p:spPr/>
+        <p:txBody>
+          <a:bodyPr/>
+          <a:lstStyle/>
+          <a:p>
+            <a:r>
+              <a:rPr lang="en-US" dirty="0"/>
+              <a:t>Application Programming Interface</a:t>
+            </a:r>
+          </a:p>
+        </p:txBody>
+      </p:sp>
+      <p:sp>
+        <p:nvSpPr>
+          <p:cNvPr id="3" name="Content Placeholder 2">
+            <a:extLst>
+              <a:ext uri="{FF2B5EF4-FFF2-40B4-BE49-F238E27FC236}">
+                <a16:creationId xmlns:a16="http://schemas.microsoft.com/office/drawing/2014/main" id="{6AA58032-A8AA-A238-5299-BD312EA9E90E}"/>
+              </a:ext>
+            </a:extLst>
+          </p:cNvPr>
+          <p:cNvSpPr>
+            <a:spLocks noGrp="1"/>
+          </p:cNvSpPr>
+          <p:nvPr>
+            <p:ph idx="1"/>
+          </p:nvPr>
+        </p:nvSpPr>
+        <p:spPr>
+          <a:xfrm>
+            <a:off x="1451579" y="1853754"/>
+            <a:ext cx="9603275" cy="4199728"/>
+          </a:xfrm>
+        </p:spPr>
+        <p:txBody>
+          <a:bodyPr/>
+          <a:lstStyle/>
+          <a:p>
+            <a:r>
+              <a:rPr lang="en-US" dirty="0"/>
+              <a:t>An API is a published standard of how to interact with a system. </a:t>
+            </a:r>
+          </a:p>
+          <a:p>
+            <a:r>
+              <a:rPr lang="en-US" dirty="0"/>
+              <a:t>Most objects, functions, and programs have the exact same concept:</a:t>
+            </a:r>
+          </a:p>
+          <a:p>
+            <a:pPr lvl="1"/>
+            <a:r>
+              <a:rPr lang="en-US" dirty="0"/>
+              <a:t>There is a specific set of things that this object does. </a:t>
+            </a:r>
+          </a:p>
+          <a:p>
+            <a:pPr lvl="1"/>
+            <a:r>
+              <a:rPr lang="en-US" dirty="0"/>
+              <a:t>There is a specific set of ways to interact with it. </a:t>
+            </a:r>
+          </a:p>
+          <a:p>
+            <a:r>
+              <a:rPr lang="en-US" dirty="0"/>
+              <a:t>When we use a published library we are complying with their API. </a:t>
+            </a:r>
+          </a:p>
+          <a:p>
+            <a:pPr lvl="1"/>
+            <a:r>
+              <a:rPr lang="en-US" dirty="0"/>
+              <a:t>The documentation tells us exactly what classes and methods we can call and what they do. </a:t>
+            </a:r>
+          </a:p>
+          <a:p>
+            <a:r>
+              <a:rPr lang="en-US" dirty="0"/>
+              <a:t>Connecting to some other real program (a web server, some vendor application, our Moodle site, a data warehouse) is the same:</a:t>
+            </a:r>
+          </a:p>
+          <a:p>
+            <a:pPr lvl="1"/>
+            <a:r>
+              <a:rPr lang="en-US" dirty="0"/>
+              <a:t>There is some API that tells us how to create a connection, send commands, and interpret responses. </a:t>
+            </a:r>
+          </a:p>
+        </p:txBody>
+      </p:sp>
+    </p:spTree>
+    <p:extLst>
+      <p:ext uri="{BB962C8B-B14F-4D97-AF65-F5344CB8AC3E}">
+        <p14:creationId xmlns:p14="http://schemas.microsoft.com/office/powerpoint/2010/main" val="3973169635"/>
+      </p:ext>
+    </p:extLst>
+  </p:cSld>
+  <p:clrMapOvr>
+    <a:masterClrMapping/>
+  </p:clrMapOvr>
+</p:sld>
+</file>
+
+<file path=ppt/slides/slide17.xml><?xml version="1.0" encoding="utf-8"?>
+<p:sld xmlns:a="http://schemas.openxmlformats.org/drawingml/2006/main" xmlns:r="http://schemas.openxmlformats.org/officeDocument/2006/relationships" xmlns:p="http://schemas.openxmlformats.org/presentationml/2006/main">
+  <p:cSld>
+    <p:spTree>
+      <p:nvGrpSpPr>
+        <p:cNvPr id="1" name=""/>
+        <p:cNvGrpSpPr/>
+        <p:nvPr/>
+      </p:nvGrpSpPr>
+      <p:grpSpPr>
+        <a:xfrm>
+          <a:off x="0" y="0"/>
+          <a:ext cx="0" cy="0"/>
+          <a:chOff x="0" y="0"/>
+          <a:chExt cx="0" cy="0"/>
+        </a:xfrm>
+      </p:grpSpPr>
+      <p:sp>
+        <p:nvSpPr>
+          <p:cNvPr id="2" name="Title 1">
+            <a:extLst>
+              <a:ext uri="{FF2B5EF4-FFF2-40B4-BE49-F238E27FC236}">
                 <a16:creationId xmlns:a16="http://schemas.microsoft.com/office/drawing/2014/main" id="{86482DC3-4335-CF7E-60D0-01CE8539BA62}"/>
               </a:ext>
             </a:extLst>
@@ -3984,7 +4810,7 @@
 </p:sld>
 </file>
 
-<file path=ppt/slides/slide12.xml><?xml version="1.0" encoding="utf-8"?>
+<file path=ppt/slides/slide18.xml><?xml version="1.0" encoding="utf-8"?>
 <p:sld xmlns:a="http://schemas.openxmlformats.org/drawingml/2006/main" xmlns:r="http://schemas.openxmlformats.org/officeDocument/2006/relationships" xmlns:p="http://schemas.openxmlformats.org/presentationml/2006/main">
   <p:cSld>
     <p:spTree>
@@ -4111,7 +4937,7 @@
 </p:sld>
 </file>
 
-<file path=ppt/slides/slide13.xml><?xml version="1.0" encoding="utf-8"?>
+<file path=ppt/slides/slide19.xml><?xml version="1.0" encoding="utf-8"?>
 <p:sld xmlns:a="http://schemas.openxmlformats.org/drawingml/2006/main" xmlns:r="http://schemas.openxmlformats.org/officeDocument/2006/relationships" xmlns:p="http://schemas.openxmlformats.org/presentationml/2006/main">
   <p:cSld>
     <p:spTree>
@@ -4460,7 +5286,7 @@
           <p:cNvPr id="2" name="Title 1">
             <a:extLst>
               <a:ext uri="{FF2B5EF4-FFF2-40B4-BE49-F238E27FC236}">
-                <a16:creationId xmlns:a16="http://schemas.microsoft.com/office/drawing/2014/main" id="{4C0F73DE-A04A-8510-8A5D-9211A064A8B1}"/>
+                <a16:creationId xmlns:a16="http://schemas.microsoft.com/office/drawing/2014/main" id="{6B3C7EEC-3470-E97D-A736-E081DF7C0A78}"/>
               </a:ext>
             </a:extLst>
           </p:cNvPr>
@@ -4478,7 +5304,7 @@
           <a:p>
             <a:r>
               <a:rPr lang="en-US" dirty="0"/>
-              <a:t>Problems with Agility</a:t>
+              <a:t>Refactoring</a:t>
             </a:r>
           </a:p>
         </p:txBody>
@@ -4488,7 +5314,7 @@
           <p:cNvPr id="3" name="Content Placeholder 2">
             <a:extLst>
               <a:ext uri="{FF2B5EF4-FFF2-40B4-BE49-F238E27FC236}">
-                <a16:creationId xmlns:a16="http://schemas.microsoft.com/office/drawing/2014/main" id="{E6931F19-80F9-826D-B203-743DC6E9F46A}"/>
+                <a16:creationId xmlns:a16="http://schemas.microsoft.com/office/drawing/2014/main" id="{F6E6909E-834B-9E5C-904D-61D315D74F1D}"/>
               </a:ext>
             </a:extLst>
           </p:cNvPr>
@@ -4511,34 +5337,53 @@
           <a:p>
             <a:r>
               <a:rPr lang="en-US" dirty="0"/>
-              <a:t>Agile software development generally maintains a working partial solution. </a:t>
+              <a:t>Refactoring is rewriting code to be more readable, organized, or maintainable without changing the actual functionality. </a:t>
+            </a:r>
+          </a:p>
+          <a:p>
+            <a:r>
+              <a:rPr lang="en-US" dirty="0"/>
+              <a:t>Refactoring is an umbrella concept, and can include things such as:</a:t>
             </a:r>
           </a:p>
           <a:p>
             <a:pPr lvl="1"/>
             <a:r>
               <a:rPr lang="en-US" dirty="0"/>
-              <a:t>Frequent revisions or improvements to things that are already written. </a:t>
+              <a:t>Renaming variables or functions for consistency. </a:t>
             </a:r>
           </a:p>
           <a:p>
             <a:pPr lvl="1"/>
             <a:r>
               <a:rPr lang="en-US" dirty="0"/>
-              <a:t>Solutions created targeting a partial set of objectives. </a:t>
+              <a:t>Moving a method from one class to another. </a:t>
             </a:r>
           </a:p>
           <a:p>
             <a:pPr lvl="1"/>
             <a:r>
               <a:rPr lang="en-US" dirty="0"/>
-              <a:t>Target solution is changing after things have already been created. </a:t>
-            </a:r>
-          </a:p>
-          <a:p>
-            <a:r>
-              <a:rPr lang="en-US" dirty="0"/>
-              <a:t>Agile means that we should expect to have code that can be problematic. </a:t>
+              <a:t>Changing static status for items (e.g. if a method doesn’t need to have a “self”, remove it). </a:t>
+            </a:r>
+          </a:p>
+          <a:p>
+            <a:pPr lvl="1"/>
+            <a:r>
+              <a:rPr lang="en-US" dirty="0"/>
+              <a:t>Generating functions from repeated blocks of code. </a:t>
+            </a:r>
+          </a:p>
+          <a:p>
+            <a:r>
+              <a:rPr lang="en-US" dirty="0"/>
+              <a:t>Refactoring is the programming equivalent of cleaning up messy data. </a:t>
+            </a:r>
+          </a:p>
+          <a:p>
+            <a:r>
+              <a:rPr lang="en-US" dirty="0"/>
+              <a:t>This isn’t a process that has an “end”, it’s like editing for a writer. </a:t>
             </a:r>
           </a:p>
         </p:txBody>
@@ -4546,7 +5391,7 @@
     </p:spTree>
     <p:extLst>
       <p:ext uri="{BB962C8B-B14F-4D97-AF65-F5344CB8AC3E}">
-        <p14:creationId xmlns:p14="http://schemas.microsoft.com/office/powerpoint/2010/main" val="777352201"/>
+        <p14:creationId xmlns:p14="http://schemas.microsoft.com/office/powerpoint/2010/main" val="2333352800"/>
       </p:ext>
     </p:extLst>
   </p:cSld>
@@ -4578,7 +5423,7 @@
           <p:cNvPr id="2" name="Title 1">
             <a:extLst>
               <a:ext uri="{FF2B5EF4-FFF2-40B4-BE49-F238E27FC236}">
-                <a16:creationId xmlns:a16="http://schemas.microsoft.com/office/drawing/2014/main" id="{6B3C7EEC-3470-E97D-A736-E081DF7C0A78}"/>
+                <a16:creationId xmlns:a16="http://schemas.microsoft.com/office/drawing/2014/main" id="{2D8C8AD0-EE61-9CCA-BFE1-BA832EF204F1}"/>
               </a:ext>
             </a:extLst>
           </p:cNvPr>
@@ -4596,7 +5441,7 @@
           <a:p>
             <a:r>
               <a:rPr lang="en-US" dirty="0"/>
-              <a:t>Refactoring</a:t>
+              <a:t>Refactoring Benefits</a:t>
             </a:r>
           </a:p>
         </p:txBody>
@@ -4606,7 +5451,7 @@
           <p:cNvPr id="3" name="Content Placeholder 2">
             <a:extLst>
               <a:ext uri="{FF2B5EF4-FFF2-40B4-BE49-F238E27FC236}">
-                <a16:creationId xmlns:a16="http://schemas.microsoft.com/office/drawing/2014/main" id="{F6E6909E-834B-9E5C-904D-61D315D74F1D}"/>
+                <a16:creationId xmlns:a16="http://schemas.microsoft.com/office/drawing/2014/main" id="{8F06CB60-95AF-FFA8-0D1E-6D4F6A2A7334}"/>
               </a:ext>
             </a:extLst>
           </p:cNvPr>
@@ -4617,61 +5462,64 @@
             <p:ph idx="1"/>
           </p:nvPr>
         </p:nvSpPr>
-        <p:spPr>
+        <p:spPr/>
+        <p:txBody>
+          <a:bodyPr/>
+          <a:lstStyle/>
+          <a:p>
+            <a:endParaRPr lang="en-US"/>
+          </a:p>
+        </p:txBody>
+      </p:sp>
+      <p:pic>
+        <p:nvPicPr>
+          <p:cNvPr id="3074" name="Picture 2" descr="What's Code Refactoring: Benefits and 5 Best Techniques - XB Software">
+            <a:extLst>
+              <a:ext uri="{FF2B5EF4-FFF2-40B4-BE49-F238E27FC236}">
+                <a16:creationId xmlns:a16="http://schemas.microsoft.com/office/drawing/2014/main" id="{FFF606D1-614C-6710-DE86-5092A4777D39}"/>
+              </a:ext>
+            </a:extLst>
+          </p:cNvPr>
+          <p:cNvPicPr>
+            <a:picLocks noChangeAspect="1" noChangeArrowheads="1"/>
+          </p:cNvPicPr>
+          <p:nvPr/>
+        </p:nvPicPr>
+        <p:blipFill rotWithShape="1">
+          <a:blip r:embed="rId2">
+            <a:extLst>
+              <a:ext uri="{28A0092B-C50C-407E-A947-70E740481C1C}">
+                <a14:useLocalDpi xmlns:a14="http://schemas.microsoft.com/office/drawing/2010/main" val="0"/>
+              </a:ext>
+            </a:extLst>
+          </a:blip>
+          <a:srcRect l="3969" t="7756" r="3955" b="14558"/>
+          <a:stretch/>
+        </p:blipFill>
+        <p:spPr bwMode="auto">
           <a:xfrm>
-            <a:off x="1451579" y="2015732"/>
-            <a:ext cx="9603275" cy="4037749"/>
+            <a:off x="1902277" y="2015732"/>
+            <a:ext cx="8701877" cy="4674637"/>
           </a:xfrm>
+          <a:prstGeom prst="rect">
+            <a:avLst/>
+          </a:prstGeom>
+          <a:noFill/>
+          <a:extLst>
+            <a:ext uri="{909E8E84-426E-40DD-AFC4-6F175D3DCCD1}">
+              <a14:hiddenFill xmlns:a14="http://schemas.microsoft.com/office/drawing/2010/main">
+                <a:solidFill>
+                  <a:srgbClr val="FFFFFF"/>
+                </a:solidFill>
+              </a14:hiddenFill>
+            </a:ext>
+          </a:extLst>
         </p:spPr>
-        <p:txBody>
-          <a:bodyPr/>
-          <a:lstStyle/>
-          <a:p>
-            <a:r>
-              <a:rPr lang="en-US" dirty="0"/>
-              <a:t>Refactoring is rewriting code to be more readable, organized, or maintainable without changing the actual functionality. </a:t>
-            </a:r>
-          </a:p>
-          <a:p>
-            <a:r>
-              <a:rPr lang="en-US" dirty="0"/>
-              <a:t>Refactoring is an umbrella concept, and can include things such as:</a:t>
-            </a:r>
-          </a:p>
-          <a:p>
-            <a:pPr lvl="1"/>
-            <a:r>
-              <a:rPr lang="en-US" dirty="0"/>
-              <a:t>Renaming variables or functions for consistency. </a:t>
-            </a:r>
-          </a:p>
-          <a:p>
-            <a:pPr lvl="1"/>
-            <a:r>
-              <a:rPr lang="en-US" dirty="0"/>
-              <a:t>Moving a method from one class to another. </a:t>
-            </a:r>
-          </a:p>
-          <a:p>
-            <a:pPr lvl="1"/>
-            <a:r>
-              <a:rPr lang="en-US" dirty="0"/>
-              <a:t>Changing static status for items (e.g. if a method doesn’t need to have a “self”, remove it). </a:t>
-            </a:r>
-          </a:p>
-          <a:p>
-            <a:pPr lvl="1"/>
-            <a:r>
-              <a:rPr lang="en-US" dirty="0"/>
-              <a:t>Generating functions from repeated blocks of code. </a:t>
-            </a:r>
-          </a:p>
-        </p:txBody>
-      </p:sp>
+      </p:pic>
     </p:spTree>
     <p:extLst>
       <p:ext uri="{BB962C8B-B14F-4D97-AF65-F5344CB8AC3E}">
-        <p14:creationId xmlns:p14="http://schemas.microsoft.com/office/powerpoint/2010/main" val="2333352800"/>
+        <p14:creationId xmlns:p14="http://schemas.microsoft.com/office/powerpoint/2010/main" val="4158052947"/>
       </p:ext>
     </p:extLst>
   </p:cSld>
@@ -4703,7 +5551,7 @@
           <p:cNvPr id="2" name="Title 1">
             <a:extLst>
               <a:ext uri="{FF2B5EF4-FFF2-40B4-BE49-F238E27FC236}">
-                <a16:creationId xmlns:a16="http://schemas.microsoft.com/office/drawing/2014/main" id="{3D1E27D7-CCC2-A1EC-366A-A3415F0C85AA}"/>
+                <a16:creationId xmlns:a16="http://schemas.microsoft.com/office/drawing/2014/main" id="{4C0F73DE-A04A-8510-8A5D-9211A064A8B1}"/>
               </a:ext>
             </a:extLst>
           </p:cNvPr>
@@ -4721,7 +5569,7 @@
           <a:p>
             <a:r>
               <a:rPr lang="en-US" dirty="0"/>
-              <a:t>Code Profiling</a:t>
+              <a:t>Problems with Agility</a:t>
             </a:r>
           </a:p>
         </p:txBody>
@@ -4731,7 +5579,7 @@
           <p:cNvPr id="3" name="Content Placeholder 2">
             <a:extLst>
               <a:ext uri="{FF2B5EF4-FFF2-40B4-BE49-F238E27FC236}">
-                <a16:creationId xmlns:a16="http://schemas.microsoft.com/office/drawing/2014/main" id="{A35F9DAD-5452-199A-4F69-37216BC2C206}"/>
+                <a16:creationId xmlns:a16="http://schemas.microsoft.com/office/drawing/2014/main" id="{E6931F19-80F9-826D-B203-743DC6E9F46A}"/>
               </a:ext>
             </a:extLst>
           </p:cNvPr>
@@ -4754,15 +5602,45 @@
           <a:p>
             <a:r>
               <a:rPr lang="en-US" dirty="0"/>
-              <a:t>Tools such as compilers are very good at some aspects of examine code. </a:t>
-            </a:r>
+              <a:t>Agile software development generally maintains a working partial solution. </a:t>
+            </a:r>
+          </a:p>
+          <a:p>
+            <a:pPr lvl="1"/>
+            <a:r>
+              <a:rPr lang="en-US" dirty="0"/>
+              <a:t>Frequent revisions or improvements to things that are already written. </a:t>
+            </a:r>
+          </a:p>
+          <a:p>
+            <a:pPr lvl="1"/>
+            <a:r>
+              <a:rPr lang="en-US" dirty="0"/>
+              <a:t>Solutions created targeting a partial set of objectives. </a:t>
+            </a:r>
+          </a:p>
+          <a:p>
+            <a:pPr lvl="1"/>
+            <a:r>
+              <a:rPr lang="en-US" dirty="0"/>
+              <a:t>Target solution is changing after things have already been created. </a:t>
+            </a:r>
+          </a:p>
+          <a:p>
+            <a:r>
+              <a:rPr lang="en-US" dirty="0"/>
+              <a:t>Agile means that we should expect to have code that can be problematic. </a:t>
+            </a:r>
+          </a:p>
+          <a:p>
+            <a:endParaRPr lang="en-US" dirty="0"/>
           </a:p>
         </p:txBody>
       </p:sp>
     </p:spTree>
     <p:extLst>
       <p:ext uri="{BB962C8B-B14F-4D97-AF65-F5344CB8AC3E}">
-        <p14:creationId xmlns:p14="http://schemas.microsoft.com/office/powerpoint/2010/main" val="1229423629"/>
+        <p14:creationId xmlns:p14="http://schemas.microsoft.com/office/powerpoint/2010/main" val="777352201"/>
       </p:ext>
     </p:extLst>
   </p:cSld>
@@ -4775,6 +5653,30 @@
 <file path=ppt/slides/slide7.xml><?xml version="1.0" encoding="utf-8"?>
 <p:sld xmlns:a="http://schemas.openxmlformats.org/drawingml/2006/main" xmlns:r="http://schemas.openxmlformats.org/officeDocument/2006/relationships" xmlns:p="http://schemas.openxmlformats.org/presentationml/2006/main">
   <p:cSld>
+    <p:bg>
+      <p:bgPr>
+        <a:gradFill rotWithShape="1">
+          <a:gsLst>
+            <a:gs pos="0">
+              <a:schemeClr val="bg2">
+                <a:tint val="94000"/>
+                <a:satMod val="80000"/>
+                <a:lumMod val="106000"/>
+              </a:schemeClr>
+            </a:gs>
+            <a:gs pos="100000">
+              <a:schemeClr val="bg2">
+                <a:shade val="80000"/>
+              </a:schemeClr>
+            </a:gs>
+          </a:gsLst>
+          <a:path path="circle">
+            <a:fillToRect l="43000" r="43000" b="100000"/>
+          </a:path>
+        </a:gradFill>
+        <a:effectLst/>
+      </p:bgPr>
+    </p:bg>
     <p:spTree>
       <p:nvGrpSpPr>
         <p:cNvPr id="1" name=""/>
@@ -4794,7 +5696,7 @@
           <p:cNvPr id="2" name="Title 1">
             <a:extLst>
               <a:ext uri="{FF2B5EF4-FFF2-40B4-BE49-F238E27FC236}">
-                <a16:creationId xmlns:a16="http://schemas.microsoft.com/office/drawing/2014/main" id="{F6248102-1968-5CBD-FCC6-6BDA4DD67919}"/>
+                <a16:creationId xmlns:a16="http://schemas.microsoft.com/office/drawing/2014/main" id="{8F3FCCB3-364A-7265-EB7D-A3127E1F053B}"/>
               </a:ext>
             </a:extLst>
           </p:cNvPr>
@@ -4805,24 +5707,76 @@
             <p:ph type="title"/>
           </p:nvPr>
         </p:nvSpPr>
-        <p:spPr/>
-        <p:txBody>
-          <a:bodyPr/>
-          <a:lstStyle/>
-          <a:p>
-            <a:r>
-              <a:rPr lang="en-US" dirty="0"/>
-              <a:t>Automated Refactoring</a:t>
-            </a:r>
-          </a:p>
-        </p:txBody>
-      </p:sp>
+        <p:spPr>
+          <a:xfrm>
+            <a:off x="1451579" y="804519"/>
+            <a:ext cx="9603275" cy="1049235"/>
+          </a:xfrm>
+        </p:spPr>
+        <p:txBody>
+          <a:bodyPr>
+            <a:normAutofit/>
+          </a:bodyPr>
+          <a:lstStyle/>
+          <a:p>
+            <a:r>
+              <a:rPr lang="en-US" dirty="0"/>
+              <a:t>Refactoring Test-Driven Code</a:t>
+            </a:r>
+          </a:p>
+        </p:txBody>
+      </p:sp>
+      <p:pic>
+        <p:nvPicPr>
+          <p:cNvPr id="2050" name="Picture 2" descr="When should we Refactor in TDD?. The TDD process requires us to repeat… |  by Heaton Cai | Medium">
+            <a:extLst>
+              <a:ext uri="{FF2B5EF4-FFF2-40B4-BE49-F238E27FC236}">
+                <a16:creationId xmlns:a16="http://schemas.microsoft.com/office/drawing/2014/main" id="{0701BB0A-2774-569F-7062-C9744EF0AFAE}"/>
+              </a:ext>
+            </a:extLst>
+          </p:cNvPr>
+          <p:cNvPicPr>
+            <a:picLocks noChangeAspect="1" noChangeArrowheads="1"/>
+          </p:cNvPicPr>
+          <p:nvPr/>
+        </p:nvPicPr>
+        <p:blipFill rotWithShape="1">
+          <a:blip r:embed="rId2">
+            <a:extLst>
+              <a:ext uri="{28A0092B-C50C-407E-A947-70E740481C1C}">
+                <a14:useLocalDpi xmlns:a14="http://schemas.microsoft.com/office/drawing/2010/main" val="0"/>
+              </a:ext>
+            </a:extLst>
+          </a:blip>
+          <a:srcRect l="3971"/>
+          <a:stretch/>
+        </p:blipFill>
+        <p:spPr bwMode="auto">
+          <a:xfrm>
+            <a:off x="0" y="1931758"/>
+            <a:ext cx="7266945" cy="3405351"/>
+          </a:xfrm>
+          <a:prstGeom prst="rect">
+            <a:avLst/>
+          </a:prstGeom>
+          <a:noFill/>
+          <a:extLst>
+            <a:ext uri="{909E8E84-426E-40DD-AFC4-6F175D3DCCD1}">
+              <a14:hiddenFill xmlns:a14="http://schemas.microsoft.com/office/drawing/2010/main">
+                <a:solidFill>
+                  <a:srgbClr val="FFFFFF"/>
+                </a:solidFill>
+              </a14:hiddenFill>
+            </a:ext>
+          </a:extLst>
+        </p:spPr>
+      </p:pic>
       <p:sp>
         <p:nvSpPr>
           <p:cNvPr id="3" name="Content Placeholder 2">
             <a:extLst>
               <a:ext uri="{FF2B5EF4-FFF2-40B4-BE49-F238E27FC236}">
-                <a16:creationId xmlns:a16="http://schemas.microsoft.com/office/drawing/2014/main" id="{B79CDF28-2A66-1F26-2012-80FD33C6432A}"/>
+                <a16:creationId xmlns:a16="http://schemas.microsoft.com/office/drawing/2014/main" id="{EA2CB173-02C4-B756-B0F8-314B6217773B}"/>
               </a:ext>
             </a:extLst>
           </p:cNvPr>
@@ -4835,24 +5789,52 @@
         </p:nvSpPr>
         <p:spPr>
           <a:xfrm>
-            <a:off x="1451579" y="2015732"/>
-            <a:ext cx="9603275" cy="4037749"/>
+            <a:off x="7231224" y="1931759"/>
+            <a:ext cx="4887321" cy="4189123"/>
           </a:xfrm>
         </p:spPr>
         <p:txBody>
-          <a:bodyPr/>
-          <a:lstStyle/>
-          <a:p>
-            <a:r>
-              <a:rPr lang="en-US" dirty="0"/>
-              <a:t>This isn’t something that we’ll delve deeply into, but many tools exist. </a:t>
+          <a:bodyPr>
+            <a:normAutofit/>
+          </a:bodyPr>
+          <a:lstStyle/>
+          <a:p>
+            <a:r>
+              <a:rPr lang="en-US" dirty="0"/>
+              <a:t>Refactoring holds the most potential benefits for messy code. </a:t>
+            </a:r>
+          </a:p>
+          <a:p>
+            <a:r>
+              <a:rPr lang="en-US" dirty="0"/>
+              <a:t>It is way more difficult to deal with messy code though. </a:t>
+            </a:r>
+          </a:p>
+          <a:p>
+            <a:r>
+              <a:rPr lang="en-US" dirty="0"/>
+              <a:t>Code that is well designed makes reorganizing it easier. </a:t>
             </a:r>
           </a:p>
           <a:p>
             <a:pPr lvl="1"/>
             <a:r>
               <a:rPr lang="en-US" dirty="0"/>
-              <a:t>Extract parts of code that can be made into a function. </a:t>
+              <a:t>Functions can be replaced easily. </a:t>
+            </a:r>
+          </a:p>
+          <a:p>
+            <a:pPr lvl="1"/>
+            <a:r>
+              <a:rPr lang="en-US" dirty="0"/>
+              <a:t>Tests will still work. </a:t>
+            </a:r>
+          </a:p>
+          <a:p>
+            <a:pPr lvl="1"/>
+            <a:r>
+              <a:rPr lang="en-US" dirty="0"/>
+              <a:t>Moving chunks around is easier. </a:t>
             </a:r>
           </a:p>
           <a:p>
@@ -4860,39 +5842,14 @@
             <a:endParaRPr lang="en-US" dirty="0"/>
           </a:p>
           <a:p>
-            <a:r>
-              <a:rPr lang="en-US" dirty="0"/>
-              <a:t>I randomly saw a link to a VS Code plugin </a:t>
-            </a:r>
-            <a:r>
-              <a:rPr lang="en-US"/>
-              <a:t>from MS that </a:t>
-            </a:r>
-            <a:r>
-              <a:rPr lang="en-US" dirty="0"/>
-              <a:t>looks useful, Gather:</a:t>
-            </a:r>
-          </a:p>
-          <a:p>
-            <a:pPr lvl="1"/>
-            <a:r>
-              <a:rPr lang="en-US" dirty="0"/>
-              <a:t>“Gather analyzes notebooks and helps users extract only the relevant code segments needed to re-create a particular cell output. ”</a:t>
-            </a:r>
-          </a:p>
-          <a:p>
-            <a:pPr lvl="1"/>
-            <a:r>
-              <a:rPr lang="en-US" dirty="0"/>
-              <a:t>I just saw this a couple of days ago, I haven’t used it much, it is simple. </a:t>
-            </a:r>
+            <a:endParaRPr lang="en-US" dirty="0"/>
           </a:p>
         </p:txBody>
       </p:sp>
     </p:spTree>
     <p:extLst>
       <p:ext uri="{BB962C8B-B14F-4D97-AF65-F5344CB8AC3E}">
-        <p14:creationId xmlns:p14="http://schemas.microsoft.com/office/powerpoint/2010/main" val="3342147953"/>
+        <p14:creationId xmlns:p14="http://schemas.microsoft.com/office/powerpoint/2010/main" val="2936622241"/>
       </p:ext>
     </p:extLst>
   </p:cSld>
@@ -4924,7 +5881,7 @@
           <p:cNvPr id="2" name="Title 1">
             <a:extLst>
               <a:ext uri="{FF2B5EF4-FFF2-40B4-BE49-F238E27FC236}">
-                <a16:creationId xmlns:a16="http://schemas.microsoft.com/office/drawing/2014/main" id="{04861895-A463-7733-7EF1-BCA847E4A894}"/>
+                <a16:creationId xmlns:a16="http://schemas.microsoft.com/office/drawing/2014/main" id="{049A4495-A40A-9690-1799-D2AE7E34D14B}"/>
               </a:ext>
             </a:extLst>
           </p:cNvPr>
@@ -4942,7 +5899,7 @@
           <a:p>
             <a:r>
               <a:rPr lang="en-US" dirty="0"/>
-              <a:t>Game Changes</a:t>
+              <a:t>Basic Refactoring Steps</a:t>
             </a:r>
           </a:p>
         </p:txBody>
@@ -4952,7 +5909,7 @@
           <p:cNvPr id="3" name="Content Placeholder 2">
             <a:extLst>
               <a:ext uri="{FF2B5EF4-FFF2-40B4-BE49-F238E27FC236}">
-                <a16:creationId xmlns:a16="http://schemas.microsoft.com/office/drawing/2014/main" id="{4515BE7B-B999-4F59-D504-162FFD52E4D4}"/>
+                <a16:creationId xmlns:a16="http://schemas.microsoft.com/office/drawing/2014/main" id="{55F68B55-1A0E-0BB1-02A6-14DC85EF7F78}"/>
               </a:ext>
             </a:extLst>
           </p:cNvPr>
@@ -4963,68 +5920,46 @@
             <p:ph idx="1"/>
           </p:nvPr>
         </p:nvSpPr>
-        <p:spPr>
-          <a:xfrm>
-            <a:off x="1451579" y="1853754"/>
-            <a:ext cx="9603275" cy="4199727"/>
-          </a:xfrm>
-        </p:spPr>
-        <p:txBody>
-          <a:bodyPr/>
-          <a:lstStyle/>
-          <a:p>
-            <a:r>
-              <a:rPr lang="en-US" dirty="0"/>
-              <a:t>During the refactoring process we’ll make a change to help work with the GUI. </a:t>
-            </a:r>
-          </a:p>
-          <a:p>
-            <a:pPr lvl="1"/>
-            <a:r>
-              <a:rPr lang="en-US" dirty="0"/>
-              <a:t>Make all inputs/outputs go through the game object. </a:t>
-            </a:r>
-          </a:p>
-          <a:p>
-            <a:pPr lvl="1"/>
-            <a:r>
-              <a:rPr lang="en-US" dirty="0"/>
-              <a:t>GUI buttons will trigger a method call to the game object, which will then do everything internally. </a:t>
-            </a:r>
-          </a:p>
-          <a:p>
-            <a:pPr lvl="1"/>
-            <a:r>
-              <a:rPr lang="en-US" dirty="0"/>
-              <a:t>All usage of the other objects, such as the hands of cards and the bank balances, will need to go through a request to the game object. </a:t>
-            </a:r>
-          </a:p>
-          <a:p>
-            <a:r>
-              <a:rPr lang="en-US" dirty="0"/>
-              <a:t>We are making things more abstract and “user oriented” with these changes. </a:t>
-            </a:r>
-          </a:p>
-          <a:p>
-            <a:pPr lvl="1"/>
-            <a:r>
-              <a:rPr lang="en-US" dirty="0"/>
-              <a:t>The GUI interface doesn’t need to worry about game internals, and can only worry about “user side” actions. </a:t>
-            </a:r>
-          </a:p>
-          <a:p>
-            <a:pPr lvl="1"/>
-            <a:r>
-              <a:rPr lang="en-US" dirty="0"/>
-              <a:t>Using the game logic will now be more detached from the details. </a:t>
-            </a:r>
+        <p:spPr/>
+        <p:txBody>
+          <a:bodyPr/>
+          <a:lstStyle/>
+          <a:p>
+            <a:r>
+              <a:rPr lang="en-US" dirty="0"/>
+              <a:t>Refactoring documentation often refers to problems as “smells” – things to correct. </a:t>
+            </a:r>
+          </a:p>
+          <a:p>
+            <a:r>
+              <a:rPr lang="en-US" dirty="0"/>
+              <a:t>We don’t have a specific set of things to do, we just need to make it smell good. </a:t>
+            </a:r>
+          </a:p>
+          <a:p>
+            <a:r>
+              <a:rPr lang="en-US" dirty="0"/>
+              <a:t>This is something that is easier with feel and experience. </a:t>
+            </a:r>
+          </a:p>
+          <a:p>
+            <a:endParaRPr lang="en-US" dirty="0"/>
+          </a:p>
+          <a:p>
+            <a:r>
+              <a:rPr lang="en-US" dirty="0"/>
+              <a:t>(In other languages indentation is a big one, but since indents matter in Python, we’re less likely to have issues)</a:t>
+            </a:r>
+          </a:p>
+          <a:p>
+            <a:endParaRPr lang="en-US" dirty="0"/>
           </a:p>
         </p:txBody>
       </p:sp>
     </p:spTree>
     <p:extLst>
       <p:ext uri="{BB962C8B-B14F-4D97-AF65-F5344CB8AC3E}">
-        <p14:creationId xmlns:p14="http://schemas.microsoft.com/office/powerpoint/2010/main" val="1183358038"/>
+        <p14:creationId xmlns:p14="http://schemas.microsoft.com/office/powerpoint/2010/main" val="3677805511"/>
       </p:ext>
     </p:extLst>
   </p:cSld>
@@ -5056,7 +5991,7 @@
           <p:cNvPr id="2" name="Title 1">
             <a:extLst>
               <a:ext uri="{FF2B5EF4-FFF2-40B4-BE49-F238E27FC236}">
-                <a16:creationId xmlns:a16="http://schemas.microsoft.com/office/drawing/2014/main" id="{52367B84-6F4E-BDD1-D39F-19D54F77E832}"/>
+                <a16:creationId xmlns:a16="http://schemas.microsoft.com/office/drawing/2014/main" id="{FD46190B-E7CA-F343-DE28-A071FCCDDC5A}"/>
               </a:ext>
             </a:extLst>
           </p:cNvPr>
@@ -5074,7 +6009,7 @@
           <a:p>
             <a:r>
               <a:rPr lang="en-US" dirty="0"/>
-              <a:t>Interface Creation</a:t>
+              <a:t>Simplifying with variables</a:t>
             </a:r>
           </a:p>
         </p:txBody>
@@ -5084,7 +6019,7 @@
           <p:cNvPr id="3" name="Content Placeholder 2">
             <a:extLst>
               <a:ext uri="{FF2B5EF4-FFF2-40B4-BE49-F238E27FC236}">
-                <a16:creationId xmlns:a16="http://schemas.microsoft.com/office/drawing/2014/main" id="{74099298-395F-5C9D-E0E1-6265C673E513}"/>
+                <a16:creationId xmlns:a16="http://schemas.microsoft.com/office/drawing/2014/main" id="{83F1A79B-3150-6F28-A6CE-A3180AC230EE}"/>
               </a:ext>
             </a:extLst>
           </p:cNvPr>
@@ -5095,82 +6030,64 @@
             <p:ph idx="1"/>
           </p:nvPr>
         </p:nvSpPr>
-        <p:spPr>
+        <p:spPr/>
+        <p:txBody>
+          <a:bodyPr/>
+          <a:lstStyle/>
+          <a:p>
+            <a:endParaRPr lang="en-US"/>
+          </a:p>
+        </p:txBody>
+      </p:sp>
+      <p:pic>
+        <p:nvPicPr>
+          <p:cNvPr id="5122" name="Picture 2">
+            <a:extLst>
+              <a:ext uri="{FF2B5EF4-FFF2-40B4-BE49-F238E27FC236}">
+                <a16:creationId xmlns:a16="http://schemas.microsoft.com/office/drawing/2014/main" id="{EB6CA892-5431-8780-25A6-C7461EDA8F00}"/>
+              </a:ext>
+            </a:extLst>
+          </p:cNvPr>
+          <p:cNvPicPr>
+            <a:picLocks noChangeAspect="1" noChangeArrowheads="1"/>
+          </p:cNvPicPr>
+          <p:nvPr/>
+        </p:nvPicPr>
+        <p:blipFill rotWithShape="1">
+          <a:blip r:embed="rId2">
+            <a:extLst>
+              <a:ext uri="{28A0092B-C50C-407E-A947-70E740481C1C}">
+                <a14:useLocalDpi xmlns:a14="http://schemas.microsoft.com/office/drawing/2010/main" val="0"/>
+              </a:ext>
+            </a:extLst>
+          </a:blip>
+          <a:srcRect b="9103"/>
+          <a:stretch/>
+        </p:blipFill>
+        <p:spPr bwMode="auto">
           <a:xfrm>
-            <a:off x="1451579" y="2015732"/>
-            <a:ext cx="9603275" cy="3916717"/>
+            <a:off x="2005822" y="1938102"/>
+            <a:ext cx="8180355" cy="4472030"/>
           </a:xfrm>
+          <a:prstGeom prst="rect">
+            <a:avLst/>
+          </a:prstGeom>
+          <a:noFill/>
+          <a:extLst>
+            <a:ext uri="{909E8E84-426E-40DD-AFC4-6F175D3DCCD1}">
+              <a14:hiddenFill xmlns:a14="http://schemas.microsoft.com/office/drawing/2010/main">
+                <a:solidFill>
+                  <a:srgbClr val="FFFFFF"/>
+                </a:solidFill>
+              </a14:hiddenFill>
+            </a:ext>
+          </a:extLst>
         </p:spPr>
-        <p:txBody>
-          <a:bodyPr/>
-          <a:lstStyle/>
-          <a:p>
-            <a:r>
-              <a:rPr lang="en-US" dirty="0"/>
-              <a:t>While refactoring we can also think of constructing an interface for our game. </a:t>
-            </a:r>
-          </a:p>
-          <a:p>
-            <a:pPr lvl="1"/>
-            <a:r>
-              <a:rPr lang="en-US" dirty="0"/>
-              <a:t>Our GUI based notebook is the “controller” of the game. </a:t>
-            </a:r>
-          </a:p>
-          <a:p>
-            <a:pPr lvl="1"/>
-            <a:r>
-              <a:rPr lang="en-US" dirty="0"/>
-              <a:t>The code in the .</a:t>
-            </a:r>
-            <a:r>
-              <a:rPr lang="en-US" dirty="0" err="1"/>
-              <a:t>py</a:t>
-            </a:r>
-            <a:r>
-              <a:rPr lang="en-US" dirty="0"/>
-              <a:t> is the logic of the game. </a:t>
-            </a:r>
-          </a:p>
-          <a:p>
-            <a:pPr lvl="1"/>
-            <a:r>
-              <a:rPr lang="en-US" dirty="0"/>
-              <a:t>We could swap out the controller, as long as it sends the same commands. </a:t>
-            </a:r>
-          </a:p>
-          <a:p>
-            <a:r>
-              <a:rPr lang="en-US" dirty="0"/>
-              <a:t>Everything (well designed) works like this:</a:t>
-            </a:r>
-          </a:p>
-          <a:p>
-            <a:pPr lvl="1"/>
-            <a:r>
-              <a:rPr lang="en-US" dirty="0"/>
-              <a:t>The interface presents options for what we can do, how to do it, and what to expect. </a:t>
-            </a:r>
-          </a:p>
-          <a:p>
-            <a:pPr lvl="1"/>
-            <a:r>
-              <a:rPr lang="en-US" dirty="0"/>
-              <a:t>The details of how any of that happens is irrelevant. </a:t>
-            </a:r>
-          </a:p>
-          <a:p>
-            <a:r>
-              <a:rPr lang="en-US" dirty="0"/>
-              <a:t>To use something, we only need to care about the interface with it. </a:t>
-            </a:r>
-          </a:p>
-        </p:txBody>
-      </p:sp>
+      </p:pic>
     </p:spTree>
     <p:extLst>
       <p:ext uri="{BB962C8B-B14F-4D97-AF65-F5344CB8AC3E}">
-        <p14:creationId xmlns:p14="http://schemas.microsoft.com/office/powerpoint/2010/main" val="1684377220"/>
+        <p14:creationId xmlns:p14="http://schemas.microsoft.com/office/powerpoint/2010/main" val="1086497739"/>
       </p:ext>
     </p:extLst>
   </p:cSld>
